--- a/자료/CSharp/mssql 연동 참고/씨샵_mssql연동/C#과 mssql 연동(select문과 insert문).pptx
+++ b/자료/CSharp/mssql 연동 참고/씨샵_mssql연동/C#과 mssql 연동(select문과 insert문).pptx
@@ -251,7 +251,7 @@
             <a:fld id="{DC87C3E9-2372-4D2D-A8FE-578D26F0CAB8}" type="datetimeFigureOut">
               <a:rPr lang="ko-KR" altLang="en-US" smtClean="0"/>
               <a:pPr/>
-              <a:t>2020-09-11</a:t>
+              <a:t>2021-05-10</a:t>
             </a:fld>
             <a:endParaRPr lang="ko-KR" altLang="en-US"/>
           </a:p>
@@ -418,7 +418,7 @@
             <a:fld id="{05BC3899-2E4F-4D3A-8D29-BF4BDDE21DE2}" type="datetimeFigureOut">
               <a:rPr lang="ko-KR" altLang="en-US" smtClean="0"/>
               <a:pPr/>
-              <a:t>2020-09-11</a:t>
+              <a:t>2021-05-10</a:t>
             </a:fld>
             <a:endParaRPr lang="ko-KR" altLang="en-US"/>
           </a:p>
@@ -4398,7 +4398,7 @@
             <a:fld id="{4B2FD9B6-DC5A-4644-B01F-335E6DD2CDD1}" type="datetimeFigureOut">
               <a:rPr lang="ko-KR" altLang="en-US" smtClean="0"/>
               <a:pPr/>
-              <a:t>2020-09-11</a:t>
+              <a:t>2021-05-10</a:t>
             </a:fld>
             <a:endParaRPr lang="ko-KR" altLang="en-US" dirty="0"/>
           </a:p>
@@ -4931,12 +4931,8 @@
           <a:lstStyle/>
           <a:p>
             <a:r>
-              <a:rPr lang="en-US" altLang="ko-KR" dirty="0" smtClean="0"/>
-              <a:t>S</a:t>
-            </a:r>
-            <a:r>
-              <a:rPr lang="ko-KR" altLang="en-US" dirty="0" smtClean="0"/>
-              <a:t>는</a:t>
+              <a:rPr lang="en-US" altLang="ko-KR" dirty="0" err="1" smtClean="0"/>
+              <a:t>Ssms</a:t>
             </a:r>
             <a:r>
               <a:rPr lang="en-US" altLang="ko-KR" dirty="0" smtClean="0"/>
